--- a/Terminal Guessing Game.pptx
+++ b/Terminal Guessing Game.pptx
@@ -5,25 +5,26 @@
     <p:sldMasterId id="2147483648" r:id="rId4"/>
   </p:sldMasterIdLst>
   <p:notesMasterIdLst>
-    <p:notesMasterId r:id="rId18"/>
+    <p:notesMasterId r:id="rId19"/>
   </p:notesMasterIdLst>
   <p:handoutMasterIdLst>
-    <p:handoutMasterId r:id="rId19"/>
+    <p:handoutMasterId r:id="rId20"/>
   </p:handoutMasterIdLst>
   <p:sldIdLst>
     <p:sldId id="256" r:id="rId5"/>
     <p:sldId id="269" r:id="rId6"/>
     <p:sldId id="272" r:id="rId7"/>
     <p:sldId id="275" r:id="rId8"/>
-    <p:sldId id="279" r:id="rId9"/>
-    <p:sldId id="282" r:id="rId10"/>
-    <p:sldId id="280" r:id="rId11"/>
-    <p:sldId id="273" r:id="rId12"/>
-    <p:sldId id="271" r:id="rId13"/>
-    <p:sldId id="277" r:id="rId14"/>
-    <p:sldId id="270" r:id="rId15"/>
-    <p:sldId id="283" r:id="rId16"/>
-    <p:sldId id="267" r:id="rId17"/>
+    <p:sldId id="284" r:id="rId9"/>
+    <p:sldId id="279" r:id="rId10"/>
+    <p:sldId id="282" r:id="rId11"/>
+    <p:sldId id="280" r:id="rId12"/>
+    <p:sldId id="273" r:id="rId13"/>
+    <p:sldId id="271" r:id="rId14"/>
+    <p:sldId id="277" r:id="rId15"/>
+    <p:sldId id="270" r:id="rId16"/>
+    <p:sldId id="283" r:id="rId17"/>
+    <p:sldId id="267" r:id="rId18"/>
   </p:sldIdLst>
   <p:sldSz cx="12192000" cy="6858000"/>
   <p:notesSz cx="6858000" cy="9144000"/>
@@ -27278,7 +27279,7 @@
     </p:spTree>
     <p:extLst>
       <p:ext uri="{BB962C8B-B14F-4D97-AF65-F5344CB8AC3E}">
-        <p14:creationId xmlns:p14="http://schemas.microsoft.com/office/powerpoint/2010/main" val="3783714544"/>
+        <p14:creationId xmlns:p14="http://schemas.microsoft.com/office/powerpoint/2010/main" val="1320267940"/>
       </p:ext>
     </p:extLst>
   </p:cSld>
@@ -27362,7 +27363,7 @@
     </p:spTree>
     <p:extLst>
       <p:ext uri="{BB962C8B-B14F-4D97-AF65-F5344CB8AC3E}">
-        <p14:creationId xmlns:p14="http://schemas.microsoft.com/office/powerpoint/2010/main" val="993929339"/>
+        <p14:creationId xmlns:p14="http://schemas.microsoft.com/office/powerpoint/2010/main" val="3783714544"/>
       </p:ext>
     </p:extLst>
   </p:cSld>
@@ -27446,7 +27447,7 @@
     </p:spTree>
     <p:extLst>
       <p:ext uri="{BB962C8B-B14F-4D97-AF65-F5344CB8AC3E}">
-        <p14:creationId xmlns:p14="http://schemas.microsoft.com/office/powerpoint/2010/main" val="690265051"/>
+        <p14:creationId xmlns:p14="http://schemas.microsoft.com/office/powerpoint/2010/main" val="993929339"/>
       </p:ext>
     </p:extLst>
   </p:cSld>
@@ -27522,6 +27523,90 @@
             <a:fld id="{EE000EEB-8338-48D7-8EE8-EE0082EF7602}" type="slidenum">
               <a:rPr lang="en-US" smtClean="0"/>
               <a:t>13</a:t>
+            </a:fld>
+            <a:endParaRPr lang="en-US" dirty="0"/>
+          </a:p>
+        </p:txBody>
+      </p:sp>
+    </p:spTree>
+    <p:extLst>
+      <p:ext uri="{BB962C8B-B14F-4D97-AF65-F5344CB8AC3E}">
+        <p14:creationId xmlns:p14="http://schemas.microsoft.com/office/powerpoint/2010/main" val="690265051"/>
+      </p:ext>
+    </p:extLst>
+  </p:cSld>
+  <p:clrMapOvr>
+    <a:masterClrMapping/>
+  </p:clrMapOvr>
+</p:notes>
+</file>
+
+<file path=ppt/notesSlides/notesSlide14.xml><?xml version="1.0" encoding="utf-8"?>
+<p:notes xmlns:a="http://schemas.openxmlformats.org/drawingml/2006/main" xmlns:r="http://schemas.openxmlformats.org/officeDocument/2006/relationships" xmlns:p="http://schemas.openxmlformats.org/presentationml/2006/main">
+  <p:cSld>
+    <p:spTree>
+      <p:nvGrpSpPr>
+        <p:cNvPr id="1" name=""/>
+        <p:cNvGrpSpPr/>
+        <p:nvPr/>
+      </p:nvGrpSpPr>
+      <p:grpSpPr>
+        <a:xfrm>
+          <a:off x="0" y="0"/>
+          <a:ext cx="0" cy="0"/>
+          <a:chOff x="0" y="0"/>
+          <a:chExt cx="0" cy="0"/>
+        </a:xfrm>
+      </p:grpSpPr>
+      <p:sp>
+        <p:nvSpPr>
+          <p:cNvPr id="2" name="Slide Image Placeholder 1"/>
+          <p:cNvSpPr>
+            <a:spLocks noGrp="1" noRot="1" noChangeAspect="1"/>
+          </p:cNvSpPr>
+          <p:nvPr>
+            <p:ph type="sldImg"/>
+          </p:nvPr>
+        </p:nvSpPr>
+        <p:spPr/>
+      </p:sp>
+      <p:sp>
+        <p:nvSpPr>
+          <p:cNvPr id="3" name="Notes Placeholder 2"/>
+          <p:cNvSpPr>
+            <a:spLocks noGrp="1"/>
+          </p:cNvSpPr>
+          <p:nvPr>
+            <p:ph type="body" idx="1"/>
+          </p:nvPr>
+        </p:nvSpPr>
+        <p:spPr/>
+        <p:txBody>
+          <a:bodyPr/>
+          <a:lstStyle/>
+          <a:p>
+            <a:endParaRPr lang="en-US" dirty="0"/>
+          </a:p>
+        </p:txBody>
+      </p:sp>
+      <p:sp>
+        <p:nvSpPr>
+          <p:cNvPr id="4" name="Slide Number Placeholder 3"/>
+          <p:cNvSpPr>
+            <a:spLocks noGrp="1"/>
+          </p:cNvSpPr>
+          <p:nvPr>
+            <p:ph type="sldNum" sz="quarter" idx="5"/>
+          </p:nvPr>
+        </p:nvSpPr>
+        <p:spPr/>
+        <p:txBody>
+          <a:bodyPr/>
+          <a:lstStyle/>
+          <a:p>
+            <a:fld id="{EE000EEB-8338-48D7-8EE8-EE0082EF7602}" type="slidenum">
+              <a:rPr lang="en-US" smtClean="0"/>
+              <a:t>14</a:t>
             </a:fld>
             <a:endParaRPr lang="en-US" dirty="0"/>
           </a:p>
@@ -27866,7 +27951,7 @@
     </p:spTree>
     <p:extLst>
       <p:ext uri="{BB962C8B-B14F-4D97-AF65-F5344CB8AC3E}">
-        <p14:creationId xmlns:p14="http://schemas.microsoft.com/office/powerpoint/2010/main" val="3468849265"/>
+        <p14:creationId xmlns:p14="http://schemas.microsoft.com/office/powerpoint/2010/main" val="2143225682"/>
       </p:ext>
     </p:extLst>
   </p:cSld>
@@ -27950,7 +28035,7 @@
     </p:spTree>
     <p:extLst>
       <p:ext uri="{BB962C8B-B14F-4D97-AF65-F5344CB8AC3E}">
-        <p14:creationId xmlns:p14="http://schemas.microsoft.com/office/powerpoint/2010/main" val="981382274"/>
+        <p14:creationId xmlns:p14="http://schemas.microsoft.com/office/powerpoint/2010/main" val="3468849265"/>
       </p:ext>
     </p:extLst>
   </p:cSld>
@@ -28034,7 +28119,7 @@
     </p:spTree>
     <p:extLst>
       <p:ext uri="{BB962C8B-B14F-4D97-AF65-F5344CB8AC3E}">
-        <p14:creationId xmlns:p14="http://schemas.microsoft.com/office/powerpoint/2010/main" val="4275050154"/>
+        <p14:creationId xmlns:p14="http://schemas.microsoft.com/office/powerpoint/2010/main" val="981382274"/>
       </p:ext>
     </p:extLst>
   </p:cSld>
@@ -28118,7 +28203,7 @@
     </p:spTree>
     <p:extLst>
       <p:ext uri="{BB962C8B-B14F-4D97-AF65-F5344CB8AC3E}">
-        <p14:creationId xmlns:p14="http://schemas.microsoft.com/office/powerpoint/2010/main" val="1585727856"/>
+        <p14:creationId xmlns:p14="http://schemas.microsoft.com/office/powerpoint/2010/main" val="4275050154"/>
       </p:ext>
     </p:extLst>
   </p:cSld>
@@ -28202,7 +28287,7 @@
     </p:spTree>
     <p:extLst>
       <p:ext uri="{BB962C8B-B14F-4D97-AF65-F5344CB8AC3E}">
-        <p14:creationId xmlns:p14="http://schemas.microsoft.com/office/powerpoint/2010/main" val="1320267940"/>
+        <p14:creationId xmlns:p14="http://schemas.microsoft.com/office/powerpoint/2010/main" val="1585727856"/>
       </p:ext>
     </p:extLst>
   </p:cSld>
@@ -34150,10 +34235,9 @@
           <a:lstStyle/>
           <a:p>
             <a:r>
-              <a:rPr lang="en-US"/>
+              <a:rPr lang="en-US" dirty="0"/>
               <a:t>Matthew Kennedy T1A3</a:t>
             </a:r>
-            <a:endParaRPr lang="en-US" dirty="0"/>
           </a:p>
         </p:txBody>
       </p:sp>
@@ -34224,6 +34308,238 @@
 </file>
 
 <file path=ppt/slides/slide10.xml><?xml version="1.0" encoding="utf-8"?>
+<p:sld xmlns:a="http://schemas.openxmlformats.org/drawingml/2006/main" xmlns:r="http://schemas.openxmlformats.org/officeDocument/2006/relationships" xmlns:p="http://schemas.openxmlformats.org/presentationml/2006/main">
+  <p:cSld>
+    <p:bg>
+      <p:bgPr>
+        <a:blipFill rotWithShape="1">
+          <a:blip r:embed="rId3">
+            <a:duotone>
+              <a:schemeClr val="bg2">
+                <a:shade val="62000"/>
+                <a:hueMod val="108000"/>
+                <a:satMod val="164000"/>
+                <a:lumMod val="69000"/>
+              </a:schemeClr>
+              <a:schemeClr val="bg2">
+                <a:tint val="96000"/>
+                <a:hueMod val="90000"/>
+                <a:satMod val="130000"/>
+                <a:lumMod val="134000"/>
+              </a:schemeClr>
+            </a:duotone>
+          </a:blip>
+          <a:stretch/>
+        </a:blipFill>
+        <a:effectLst/>
+      </p:bgPr>
+    </p:bg>
+    <p:spTree>
+      <p:nvGrpSpPr>
+        <p:cNvPr id="1" name=""/>
+        <p:cNvGrpSpPr/>
+        <p:nvPr/>
+      </p:nvGrpSpPr>
+      <p:grpSpPr>
+        <a:xfrm>
+          <a:off x="0" y="0"/>
+          <a:ext cx="0" cy="0"/>
+          <a:chOff x="0" y="0"/>
+          <a:chExt cx="0" cy="0"/>
+        </a:xfrm>
+      </p:grpSpPr>
+      <p:sp>
+        <p:nvSpPr>
+          <p:cNvPr id="2" name="Title 1">
+            <a:extLst>
+              <a:ext uri="{FF2B5EF4-FFF2-40B4-BE49-F238E27FC236}">
+                <a16:creationId xmlns:a16="http://schemas.microsoft.com/office/drawing/2014/main" id="{CC4174D3-6B10-409E-9110-EEBEAA7E38C0}"/>
+              </a:ext>
+            </a:extLst>
+          </p:cNvPr>
+          <p:cNvSpPr>
+            <a:spLocks noGrp="1"/>
+          </p:cNvSpPr>
+          <p:nvPr>
+            <p:ph type="title"/>
+          </p:nvPr>
+        </p:nvSpPr>
+        <p:spPr>
+          <a:xfrm>
+            <a:off x="650668" y="629266"/>
+            <a:ext cx="4802031" cy="1641986"/>
+          </a:xfrm>
+        </p:spPr>
+        <p:txBody>
+          <a:bodyPr>
+            <a:normAutofit/>
+          </a:bodyPr>
+          <a:lstStyle/>
+          <a:p>
+            <a:r>
+              <a:rPr lang="en-US" dirty="0"/>
+              <a:t>Terminal App</a:t>
+            </a:r>
+          </a:p>
+        </p:txBody>
+      </p:sp>
+      <p:sp>
+        <p:nvSpPr>
+          <p:cNvPr id="78" name="Rectangle 77">
+            <a:extLst>
+              <a:ext uri="{FF2B5EF4-FFF2-40B4-BE49-F238E27FC236}">
+                <a16:creationId xmlns:a16="http://schemas.microsoft.com/office/drawing/2014/main" id="{7527E565-DE8D-445C-9879-AD1D04415A78}"/>
+              </a:ext>
+              <a:ext uri="{C183D7F6-B498-43B3-948B-1728B52AA6E4}">
+                <adec:decorative xmlns:adec="http://schemas.microsoft.com/office/drawing/2017/decorative" val="1"/>
+              </a:ext>
+            </a:extLst>
+          </p:cNvPr>
+          <p:cNvSpPr>
+            <a:spLocks noGrp="1" noRot="1" noChangeAspect="1" noMove="1" noResize="1" noEditPoints="1" noAdjustHandles="1" noChangeArrowheads="1" noChangeShapeType="1" noTextEdit="1"/>
+          </p:cNvSpPr>
+          <p:nvPr>
+            <p:extLst>
+              <p:ext uri="{386F3935-93C4-4BCD-93E2-E3B085C9AB24}">
+                <p16:designElem xmlns:p16="http://schemas.microsoft.com/office/powerpoint/2015/main" val="1"/>
+              </p:ext>
+            </p:extLst>
+          </p:nvPr>
+        </p:nvSpPr>
+        <p:spPr>
+          <a:xfrm>
+            <a:off x="10437812" y="0"/>
+            <a:ext cx="685800" cy="1143000"/>
+          </a:xfrm>
+          <a:prstGeom prst="rect">
+            <a:avLst/>
+          </a:prstGeom>
+          <a:solidFill>
+            <a:schemeClr val="accent1"/>
+          </a:solidFill>
+          <a:ln>
+            <a:noFill/>
+          </a:ln>
+        </p:spPr>
+        <p:style>
+          <a:lnRef idx="1">
+            <a:schemeClr val="accent1"/>
+          </a:lnRef>
+          <a:fillRef idx="3">
+            <a:schemeClr val="accent1"/>
+          </a:fillRef>
+          <a:effectRef idx="2">
+            <a:schemeClr val="accent1"/>
+          </a:effectRef>
+          <a:fontRef idx="minor">
+            <a:schemeClr val="lt1"/>
+          </a:fontRef>
+        </p:style>
+      </p:sp>
+      <p:graphicFrame>
+        <p:nvGraphicFramePr>
+          <p:cNvPr id="4" name="Content Placeholder 3" descr="SmartArt graphic">
+            <a:extLst>
+              <a:ext uri="{FF2B5EF4-FFF2-40B4-BE49-F238E27FC236}">
+                <a16:creationId xmlns:a16="http://schemas.microsoft.com/office/drawing/2014/main" id="{C881A426-2B90-41D4-8B71-F9600C3FCE87}"/>
+              </a:ext>
+            </a:extLst>
+          </p:cNvPr>
+          <p:cNvGraphicFramePr>
+            <a:graphicFrameLocks noGrp="1"/>
+          </p:cNvGraphicFramePr>
+          <p:nvPr>
+            <p:ph idx="1"/>
+            <p:extLst>
+              <p:ext uri="{D42A27DB-BD31-4B8C-83A1-F6EECF244321}">
+                <p14:modId xmlns:p14="http://schemas.microsoft.com/office/powerpoint/2010/main" val="2652398650"/>
+              </p:ext>
+            </p:extLst>
+          </p:nvPr>
+        </p:nvGraphicFramePr>
+        <p:xfrm>
+          <a:off x="650668" y="2438400"/>
+          <a:ext cx="4802031" cy="3809999"/>
+        </p:xfrm>
+        <a:graphic>
+          <a:graphicData uri="http://schemas.openxmlformats.org/drawingml/2006/diagram">
+            <dgm:relIds xmlns:dgm="http://schemas.openxmlformats.org/drawingml/2006/diagram" xmlns:r="http://schemas.openxmlformats.org/officeDocument/2006/relationships" r:dm="rId4" r:lo="rId5" r:qs="rId6" r:cs="rId7"/>
+          </a:graphicData>
+        </a:graphic>
+      </p:graphicFrame>
+      <p:sp>
+        <p:nvSpPr>
+          <p:cNvPr id="6" name="TextBox 5">
+            <a:extLst>
+              <a:ext uri="{FF2B5EF4-FFF2-40B4-BE49-F238E27FC236}">
+                <a16:creationId xmlns:a16="http://schemas.microsoft.com/office/drawing/2014/main" id="{3338CD56-C8A3-47C7-941A-3E5912F71C26}"/>
+              </a:ext>
+            </a:extLst>
+          </p:cNvPr>
+          <p:cNvSpPr txBox="1"/>
+          <p:nvPr/>
+        </p:nvSpPr>
+        <p:spPr>
+          <a:xfrm>
+            <a:off x="5620215" y="1219426"/>
+            <a:ext cx="6255834" cy="1938992"/>
+          </a:xfrm>
+          <a:prstGeom prst="rect">
+            <a:avLst/>
+          </a:prstGeom>
+          <a:noFill/>
+        </p:spPr>
+        <p:txBody>
+          <a:bodyPr wrap="square" rtlCol="0">
+            <a:spAutoFit/>
+          </a:bodyPr>
+          <a:lstStyle/>
+          <a:p>
+            <a:pPr marL="571500" indent="-571500">
+              <a:buFont typeface="Arial" panose="020B0604020202020204" pitchFamily="34" charset="0"/>
+              <a:buChar char="•"/>
+            </a:pPr>
+            <a:r>
+              <a:rPr lang="en-AU" sz="2400" dirty="0"/>
+              <a:t>Linking data between files/classes</a:t>
+            </a:r>
+          </a:p>
+          <a:p>
+            <a:pPr marL="571500" indent="-571500">
+              <a:buFont typeface="Arial" panose="020B0604020202020204" pitchFamily="34" charset="0"/>
+              <a:buChar char="•"/>
+            </a:pPr>
+            <a:r>
+              <a:rPr lang="en-AU" sz="2400" dirty="0"/>
+              <a:t>Menu creation and utilising gems effectively</a:t>
+            </a:r>
+          </a:p>
+          <a:p>
+            <a:pPr marL="571500" indent="-571500">
+              <a:buFont typeface="Arial" panose="020B0604020202020204" pitchFamily="34" charset="0"/>
+              <a:buChar char="•"/>
+            </a:pPr>
+            <a:r>
+              <a:rPr lang="en-AU" sz="2400" dirty="0"/>
+              <a:t>Determining the best logic for the game</a:t>
+            </a:r>
+          </a:p>
+        </p:txBody>
+      </p:sp>
+    </p:spTree>
+    <p:extLst>
+      <p:ext uri="{BB962C8B-B14F-4D97-AF65-F5344CB8AC3E}">
+        <p14:creationId xmlns:p14="http://schemas.microsoft.com/office/powerpoint/2010/main" val="2184001443"/>
+      </p:ext>
+    </p:extLst>
+  </p:cSld>
+  <p:clrMapOvr>
+    <a:masterClrMapping/>
+  </p:clrMapOvr>
+</p:sld>
+</file>
+
+<file path=ppt/slides/slide11.xml><?xml version="1.0" encoding="utf-8"?>
 <p:sld xmlns:a="http://schemas.openxmlformats.org/drawingml/2006/main" xmlns:r="http://schemas.openxmlformats.org/officeDocument/2006/relationships" xmlns:p="http://schemas.openxmlformats.org/presentationml/2006/main">
   <p:cSld>
     <p:bg>
@@ -34455,7 +34771,7 @@
 </p:sld>
 </file>
 
-<file path=ppt/slides/slide11.xml><?xml version="1.0" encoding="utf-8"?>
+<file path=ppt/slides/slide12.xml><?xml version="1.0" encoding="utf-8"?>
 <p:sld xmlns:a="http://schemas.openxmlformats.org/drawingml/2006/main" xmlns:r="http://schemas.openxmlformats.org/officeDocument/2006/relationships" xmlns:p="http://schemas.openxmlformats.org/presentationml/2006/main">
   <p:cSld>
     <p:bg>
@@ -34687,7 +35003,7 @@
 </p:sld>
 </file>
 
-<file path=ppt/slides/slide12.xml><?xml version="1.0" encoding="utf-8"?>
+<file path=ppt/slides/slide13.xml><?xml version="1.0" encoding="utf-8"?>
 <p:sld xmlns:a="http://schemas.openxmlformats.org/drawingml/2006/main" xmlns:r="http://schemas.openxmlformats.org/officeDocument/2006/relationships" xmlns:p="http://schemas.openxmlformats.org/presentationml/2006/main">
   <p:cSld>
     <p:bg>
@@ -34924,7 +35240,7 @@
 </p:sld>
 </file>
 
-<file path=ppt/slides/slide13.xml><?xml version="1.0" encoding="utf-8"?>
+<file path=ppt/slides/slide14.xml><?xml version="1.0" encoding="utf-8"?>
 <p:sld xmlns:a="http://schemas.openxmlformats.org/drawingml/2006/main" xmlns:r="http://schemas.openxmlformats.org/officeDocument/2006/relationships" xmlns:p="http://schemas.openxmlformats.org/presentationml/2006/main">
   <p:cSld>
     <p:bg>
@@ -35868,6 +36184,143 @@
       </p:grpSpPr>
       <p:sp>
         <p:nvSpPr>
+          <p:cNvPr id="78" name="Rectangle 77">
+            <a:extLst>
+              <a:ext uri="{FF2B5EF4-FFF2-40B4-BE49-F238E27FC236}">
+                <a16:creationId xmlns:a16="http://schemas.microsoft.com/office/drawing/2014/main" id="{7527E565-DE8D-445C-9879-AD1D04415A78}"/>
+              </a:ext>
+              <a:ext uri="{C183D7F6-B498-43B3-948B-1728B52AA6E4}">
+                <adec:decorative xmlns:adec="http://schemas.microsoft.com/office/drawing/2017/decorative" val="1"/>
+              </a:ext>
+            </a:extLst>
+          </p:cNvPr>
+          <p:cNvSpPr>
+            <a:spLocks noGrp="1" noRot="1" noChangeAspect="1" noMove="1" noResize="1" noEditPoints="1" noAdjustHandles="1" noChangeArrowheads="1" noChangeShapeType="1" noTextEdit="1"/>
+          </p:cNvSpPr>
+          <p:nvPr>
+            <p:extLst>
+              <p:ext uri="{386F3935-93C4-4BCD-93E2-E3B085C9AB24}">
+                <p16:designElem xmlns:p16="http://schemas.microsoft.com/office/powerpoint/2015/main" val="1"/>
+              </p:ext>
+            </p:extLst>
+          </p:nvPr>
+        </p:nvSpPr>
+        <p:spPr>
+          <a:xfrm>
+            <a:off x="10437812" y="0"/>
+            <a:ext cx="685800" cy="1143000"/>
+          </a:xfrm>
+          <a:prstGeom prst="rect">
+            <a:avLst/>
+          </a:prstGeom>
+          <a:solidFill>
+            <a:schemeClr val="accent1"/>
+          </a:solidFill>
+          <a:ln>
+            <a:noFill/>
+          </a:ln>
+        </p:spPr>
+        <p:style>
+          <a:lnRef idx="1">
+            <a:schemeClr val="accent1"/>
+          </a:lnRef>
+          <a:fillRef idx="3">
+            <a:schemeClr val="accent1"/>
+          </a:fillRef>
+          <a:effectRef idx="2">
+            <a:schemeClr val="accent1"/>
+          </a:effectRef>
+          <a:fontRef idx="minor">
+            <a:schemeClr val="lt1"/>
+          </a:fontRef>
+        </p:style>
+      </p:sp>
+      <p:pic>
+        <p:nvPicPr>
+          <p:cNvPr id="8" name="Picture 7" descr="Diagram&#10;&#10;Description automatically generated">
+            <a:extLst>
+              <a:ext uri="{FF2B5EF4-FFF2-40B4-BE49-F238E27FC236}">
+                <a16:creationId xmlns:a16="http://schemas.microsoft.com/office/drawing/2014/main" id="{040F3947-FF99-4E29-B61D-541C58D4F684}"/>
+              </a:ext>
+            </a:extLst>
+          </p:cNvPr>
+          <p:cNvPicPr>
+            <a:picLocks noChangeAspect="1"/>
+          </p:cNvPicPr>
+          <p:nvPr/>
+        </p:nvPicPr>
+        <p:blipFill>
+          <a:blip r:embed="rId4"/>
+          <a:stretch>
+            <a:fillRect/>
+          </a:stretch>
+        </p:blipFill>
+        <p:spPr>
+          <a:xfrm>
+            <a:off x="161010" y="193509"/>
+            <a:ext cx="11584846" cy="6360910"/>
+          </a:xfrm>
+          <a:prstGeom prst="rect">
+            <a:avLst/>
+          </a:prstGeom>
+        </p:spPr>
+      </p:pic>
+    </p:spTree>
+    <p:extLst>
+      <p:ext uri="{BB962C8B-B14F-4D97-AF65-F5344CB8AC3E}">
+        <p14:creationId xmlns:p14="http://schemas.microsoft.com/office/powerpoint/2010/main" val="3798155542"/>
+      </p:ext>
+    </p:extLst>
+  </p:cSld>
+  <p:clrMapOvr>
+    <a:masterClrMapping/>
+  </p:clrMapOvr>
+</p:sld>
+</file>
+
+<file path=ppt/slides/slide6.xml><?xml version="1.0" encoding="utf-8"?>
+<p:sld xmlns:a="http://schemas.openxmlformats.org/drawingml/2006/main" xmlns:r="http://schemas.openxmlformats.org/officeDocument/2006/relationships" xmlns:p="http://schemas.openxmlformats.org/presentationml/2006/main">
+  <p:cSld>
+    <p:bg>
+      <p:bgPr>
+        <a:blipFill rotWithShape="1">
+          <a:blip r:embed="rId3">
+            <a:duotone>
+              <a:schemeClr val="bg2">
+                <a:shade val="62000"/>
+                <a:hueMod val="108000"/>
+                <a:satMod val="164000"/>
+                <a:lumMod val="69000"/>
+              </a:schemeClr>
+              <a:schemeClr val="bg2">
+                <a:tint val="96000"/>
+                <a:hueMod val="90000"/>
+                <a:satMod val="130000"/>
+                <a:lumMod val="134000"/>
+              </a:schemeClr>
+            </a:duotone>
+          </a:blip>
+          <a:stretch/>
+        </a:blipFill>
+        <a:effectLst/>
+      </p:bgPr>
+    </p:bg>
+    <p:spTree>
+      <p:nvGrpSpPr>
+        <p:cNvPr id="1" name=""/>
+        <p:cNvGrpSpPr/>
+        <p:nvPr/>
+      </p:nvGrpSpPr>
+      <p:grpSpPr>
+        <a:xfrm>
+          <a:off x="0" y="0"/>
+          <a:ext cx="0" cy="0"/>
+          <a:chOff x="0" y="0"/>
+          <a:chExt cx="0" cy="0"/>
+        </a:xfrm>
+      </p:grpSpPr>
+      <p:sp>
+        <p:nvSpPr>
           <p:cNvPr id="2" name="Title 1">
             <a:extLst>
               <a:ext uri="{FF2B5EF4-FFF2-40B4-BE49-F238E27FC236}">
@@ -36058,7 +36511,7 @@
 </p:sld>
 </file>
 
-<file path=ppt/slides/slide6.xml><?xml version="1.0" encoding="utf-8"?>
+<file path=ppt/slides/slide7.xml><?xml version="1.0" encoding="utf-8"?>
 <p:sld xmlns:a="http://schemas.openxmlformats.org/drawingml/2006/main" xmlns:r="http://schemas.openxmlformats.org/officeDocument/2006/relationships" xmlns:p="http://schemas.openxmlformats.org/presentationml/2006/main">
   <p:cSld>
     <p:bg>
@@ -36320,7 +36773,7 @@
 </p:sld>
 </file>
 
-<file path=ppt/slides/slide7.xml><?xml version="1.0" encoding="utf-8"?>
+<file path=ppt/slides/slide8.xml><?xml version="1.0" encoding="utf-8"?>
 <p:sld xmlns:a="http://schemas.openxmlformats.org/drawingml/2006/main" xmlns:r="http://schemas.openxmlformats.org/officeDocument/2006/relationships" xmlns:p="http://schemas.openxmlformats.org/presentationml/2006/main">
   <p:cSld>
     <p:bg>
@@ -36552,7 +37005,7 @@
 </p:sld>
 </file>
 
-<file path=ppt/slides/slide8.xml><?xml version="1.0" encoding="utf-8"?>
+<file path=ppt/slides/slide9.xml><?xml version="1.0" encoding="utf-8"?>
 <p:sld xmlns:a="http://schemas.openxmlformats.org/drawingml/2006/main" xmlns:r="http://schemas.openxmlformats.org/officeDocument/2006/relationships" xmlns:p="http://schemas.openxmlformats.org/presentationml/2006/main">
   <p:cSld>
     <p:bg>
@@ -36863,238 +37316,6 @@
     <p:extLst>
       <p:ext uri="{BB962C8B-B14F-4D97-AF65-F5344CB8AC3E}">
         <p14:creationId xmlns:p14="http://schemas.microsoft.com/office/powerpoint/2010/main" val="2813210373"/>
-      </p:ext>
-    </p:extLst>
-  </p:cSld>
-  <p:clrMapOvr>
-    <a:masterClrMapping/>
-  </p:clrMapOvr>
-</p:sld>
-</file>
-
-<file path=ppt/slides/slide9.xml><?xml version="1.0" encoding="utf-8"?>
-<p:sld xmlns:a="http://schemas.openxmlformats.org/drawingml/2006/main" xmlns:r="http://schemas.openxmlformats.org/officeDocument/2006/relationships" xmlns:p="http://schemas.openxmlformats.org/presentationml/2006/main">
-  <p:cSld>
-    <p:bg>
-      <p:bgPr>
-        <a:blipFill rotWithShape="1">
-          <a:blip r:embed="rId3">
-            <a:duotone>
-              <a:schemeClr val="bg2">
-                <a:shade val="62000"/>
-                <a:hueMod val="108000"/>
-                <a:satMod val="164000"/>
-                <a:lumMod val="69000"/>
-              </a:schemeClr>
-              <a:schemeClr val="bg2">
-                <a:tint val="96000"/>
-                <a:hueMod val="90000"/>
-                <a:satMod val="130000"/>
-                <a:lumMod val="134000"/>
-              </a:schemeClr>
-            </a:duotone>
-          </a:blip>
-          <a:stretch/>
-        </a:blipFill>
-        <a:effectLst/>
-      </p:bgPr>
-    </p:bg>
-    <p:spTree>
-      <p:nvGrpSpPr>
-        <p:cNvPr id="1" name=""/>
-        <p:cNvGrpSpPr/>
-        <p:nvPr/>
-      </p:nvGrpSpPr>
-      <p:grpSpPr>
-        <a:xfrm>
-          <a:off x="0" y="0"/>
-          <a:ext cx="0" cy="0"/>
-          <a:chOff x="0" y="0"/>
-          <a:chExt cx="0" cy="0"/>
-        </a:xfrm>
-      </p:grpSpPr>
-      <p:sp>
-        <p:nvSpPr>
-          <p:cNvPr id="2" name="Title 1">
-            <a:extLst>
-              <a:ext uri="{FF2B5EF4-FFF2-40B4-BE49-F238E27FC236}">
-                <a16:creationId xmlns:a16="http://schemas.microsoft.com/office/drawing/2014/main" id="{CC4174D3-6B10-409E-9110-EEBEAA7E38C0}"/>
-              </a:ext>
-            </a:extLst>
-          </p:cNvPr>
-          <p:cNvSpPr>
-            <a:spLocks noGrp="1"/>
-          </p:cNvSpPr>
-          <p:nvPr>
-            <p:ph type="title"/>
-          </p:nvPr>
-        </p:nvSpPr>
-        <p:spPr>
-          <a:xfrm>
-            <a:off x="650668" y="629266"/>
-            <a:ext cx="4802031" cy="1641986"/>
-          </a:xfrm>
-        </p:spPr>
-        <p:txBody>
-          <a:bodyPr>
-            <a:normAutofit/>
-          </a:bodyPr>
-          <a:lstStyle/>
-          <a:p>
-            <a:r>
-              <a:rPr lang="en-US" dirty="0"/>
-              <a:t>Terminal App</a:t>
-            </a:r>
-          </a:p>
-        </p:txBody>
-      </p:sp>
-      <p:sp>
-        <p:nvSpPr>
-          <p:cNvPr id="78" name="Rectangle 77">
-            <a:extLst>
-              <a:ext uri="{FF2B5EF4-FFF2-40B4-BE49-F238E27FC236}">
-                <a16:creationId xmlns:a16="http://schemas.microsoft.com/office/drawing/2014/main" id="{7527E565-DE8D-445C-9879-AD1D04415A78}"/>
-              </a:ext>
-              <a:ext uri="{C183D7F6-B498-43B3-948B-1728B52AA6E4}">
-                <adec:decorative xmlns:adec="http://schemas.microsoft.com/office/drawing/2017/decorative" val="1"/>
-              </a:ext>
-            </a:extLst>
-          </p:cNvPr>
-          <p:cNvSpPr>
-            <a:spLocks noGrp="1" noRot="1" noChangeAspect="1" noMove="1" noResize="1" noEditPoints="1" noAdjustHandles="1" noChangeArrowheads="1" noChangeShapeType="1" noTextEdit="1"/>
-          </p:cNvSpPr>
-          <p:nvPr>
-            <p:extLst>
-              <p:ext uri="{386F3935-93C4-4BCD-93E2-E3B085C9AB24}">
-                <p16:designElem xmlns:p16="http://schemas.microsoft.com/office/powerpoint/2015/main" val="1"/>
-              </p:ext>
-            </p:extLst>
-          </p:nvPr>
-        </p:nvSpPr>
-        <p:spPr>
-          <a:xfrm>
-            <a:off x="10437812" y="0"/>
-            <a:ext cx="685800" cy="1143000"/>
-          </a:xfrm>
-          <a:prstGeom prst="rect">
-            <a:avLst/>
-          </a:prstGeom>
-          <a:solidFill>
-            <a:schemeClr val="accent1"/>
-          </a:solidFill>
-          <a:ln>
-            <a:noFill/>
-          </a:ln>
-        </p:spPr>
-        <p:style>
-          <a:lnRef idx="1">
-            <a:schemeClr val="accent1"/>
-          </a:lnRef>
-          <a:fillRef idx="3">
-            <a:schemeClr val="accent1"/>
-          </a:fillRef>
-          <a:effectRef idx="2">
-            <a:schemeClr val="accent1"/>
-          </a:effectRef>
-          <a:fontRef idx="minor">
-            <a:schemeClr val="lt1"/>
-          </a:fontRef>
-        </p:style>
-      </p:sp>
-      <p:graphicFrame>
-        <p:nvGraphicFramePr>
-          <p:cNvPr id="4" name="Content Placeholder 3" descr="SmartArt graphic">
-            <a:extLst>
-              <a:ext uri="{FF2B5EF4-FFF2-40B4-BE49-F238E27FC236}">
-                <a16:creationId xmlns:a16="http://schemas.microsoft.com/office/drawing/2014/main" id="{C881A426-2B90-41D4-8B71-F9600C3FCE87}"/>
-              </a:ext>
-            </a:extLst>
-          </p:cNvPr>
-          <p:cNvGraphicFramePr>
-            <a:graphicFrameLocks noGrp="1"/>
-          </p:cNvGraphicFramePr>
-          <p:nvPr>
-            <p:ph idx="1"/>
-            <p:extLst>
-              <p:ext uri="{D42A27DB-BD31-4B8C-83A1-F6EECF244321}">
-                <p14:modId xmlns:p14="http://schemas.microsoft.com/office/powerpoint/2010/main" val="2652398650"/>
-              </p:ext>
-            </p:extLst>
-          </p:nvPr>
-        </p:nvGraphicFramePr>
-        <p:xfrm>
-          <a:off x="650668" y="2438400"/>
-          <a:ext cx="4802031" cy="3809999"/>
-        </p:xfrm>
-        <a:graphic>
-          <a:graphicData uri="http://schemas.openxmlformats.org/drawingml/2006/diagram">
-            <dgm:relIds xmlns:dgm="http://schemas.openxmlformats.org/drawingml/2006/diagram" xmlns:r="http://schemas.openxmlformats.org/officeDocument/2006/relationships" r:dm="rId4" r:lo="rId5" r:qs="rId6" r:cs="rId7"/>
-          </a:graphicData>
-        </a:graphic>
-      </p:graphicFrame>
-      <p:sp>
-        <p:nvSpPr>
-          <p:cNvPr id="6" name="TextBox 5">
-            <a:extLst>
-              <a:ext uri="{FF2B5EF4-FFF2-40B4-BE49-F238E27FC236}">
-                <a16:creationId xmlns:a16="http://schemas.microsoft.com/office/drawing/2014/main" id="{3338CD56-C8A3-47C7-941A-3E5912F71C26}"/>
-              </a:ext>
-            </a:extLst>
-          </p:cNvPr>
-          <p:cNvSpPr txBox="1"/>
-          <p:nvPr/>
-        </p:nvSpPr>
-        <p:spPr>
-          <a:xfrm>
-            <a:off x="5620215" y="1219426"/>
-            <a:ext cx="6255834" cy="1938992"/>
-          </a:xfrm>
-          <a:prstGeom prst="rect">
-            <a:avLst/>
-          </a:prstGeom>
-          <a:noFill/>
-        </p:spPr>
-        <p:txBody>
-          <a:bodyPr wrap="square" rtlCol="0">
-            <a:spAutoFit/>
-          </a:bodyPr>
-          <a:lstStyle/>
-          <a:p>
-            <a:pPr marL="571500" indent="-571500">
-              <a:buFont typeface="Arial" panose="020B0604020202020204" pitchFamily="34" charset="0"/>
-              <a:buChar char="•"/>
-            </a:pPr>
-            <a:r>
-              <a:rPr lang="en-AU" sz="2400" dirty="0"/>
-              <a:t>Linking data between files/classes</a:t>
-            </a:r>
-          </a:p>
-          <a:p>
-            <a:pPr marL="571500" indent="-571500">
-              <a:buFont typeface="Arial" panose="020B0604020202020204" pitchFamily="34" charset="0"/>
-              <a:buChar char="•"/>
-            </a:pPr>
-            <a:r>
-              <a:rPr lang="en-AU" sz="2400" dirty="0"/>
-              <a:t>Menu creation and utilising gems effectively</a:t>
-            </a:r>
-          </a:p>
-          <a:p>
-            <a:pPr marL="571500" indent="-571500">
-              <a:buFont typeface="Arial" panose="020B0604020202020204" pitchFamily="34" charset="0"/>
-              <a:buChar char="•"/>
-            </a:pPr>
-            <a:r>
-              <a:rPr lang="en-AU" sz="2400" dirty="0"/>
-              <a:t>Determining the best logic for the game</a:t>
-            </a:r>
-          </a:p>
-        </p:txBody>
-      </p:sp>
-    </p:spTree>
-    <p:extLst>
-      <p:ext uri="{BB962C8B-B14F-4D97-AF65-F5344CB8AC3E}">
-        <p14:creationId xmlns:p14="http://schemas.microsoft.com/office/powerpoint/2010/main" val="2184001443"/>
       </p:ext>
     </p:extLst>
   </p:cSld>
